--- a/05_HDFS_Part2/HDFS_Shell.pptx
+++ b/05_HDFS_Part2/HDFS_Shell.pptx
@@ -460,7 +460,7 @@
             <a:fld id="{5923F103-BC34-4FE4-A40E-EDDEECFDA5D0}" type="datetimeFigureOut">
               <a:rPr lang="en-US" dirty="0"/>
               <a:pPr/>
-              <a:t>10-Feb-16</a:t>
+              <a:t>11-Feb-16</a:t>
             </a:fld>
             <a:endParaRPr lang="en-US" dirty="0"/>
           </a:p>
@@ -1548,7 +1548,7 @@
           <a:p>
             <a:fld id="{923A1CC3-2375-41D4-9E03-427CAF2A4C1A}" type="datetimeFigureOut">
               <a:rPr lang="en-US" dirty="0"/>
-              <a:t>10-Feb-16</a:t>
+              <a:t>11-Feb-16</a:t>
             </a:fld>
             <a:endParaRPr lang="en-US" dirty="0"/>
           </a:p>
@@ -2528,7 +2528,7 @@
           <a:p>
             <a:fld id="{AFF16868-8199-4C2C-A5B1-63AEE139F88E}" type="datetimeFigureOut">
               <a:rPr lang="en-US" dirty="0"/>
-              <a:t>10-Feb-16</a:t>
+              <a:t>11-Feb-16</a:t>
             </a:fld>
             <a:endParaRPr lang="en-US" dirty="0"/>
           </a:p>
@@ -3662,7 +3662,7 @@
           <a:p>
             <a:fld id="{AAD9FF7F-6988-44CC-821B-644E70CD2F73}" type="datetimeFigureOut">
               <a:rPr lang="en-US" dirty="0"/>
-              <a:t>10-Feb-16</a:t>
+              <a:t>11-Feb-16</a:t>
             </a:fld>
             <a:endParaRPr lang="en-US" dirty="0"/>
           </a:p>
@@ -4695,7 +4695,7 @@
           <a:p>
             <a:fld id="{5C12C299-16B2-4475-990D-751901EACC14}" type="datetimeFigureOut">
               <a:rPr lang="en-US" dirty="0"/>
-              <a:t>10-Feb-16</a:t>
+              <a:t>11-Feb-16</a:t>
             </a:fld>
             <a:endParaRPr lang="en-US" dirty="0"/>
           </a:p>
@@ -5355,7 +5355,7 @@
           <a:p>
             <a:fld id="{9FE86839-B9D8-4651-8783-F325ECE74E65}" type="datetimeFigureOut">
               <a:rPr lang="en-US" dirty="0"/>
-              <a:t>10-Feb-16</a:t>
+              <a:t>11-Feb-16</a:t>
             </a:fld>
             <a:endParaRPr lang="en-US" dirty="0"/>
           </a:p>
@@ -6216,7 +6216,7 @@
           <a:p>
             <a:fld id="{FD484F64-32F6-45C5-931F-ADC1662401D0}" type="datetimeFigureOut">
               <a:rPr lang="en-US" dirty="0"/>
-              <a:t>10-Feb-16</a:t>
+              <a:t>11-Feb-16</a:t>
             </a:fld>
             <a:endParaRPr lang="en-US" dirty="0"/>
           </a:p>
@@ -6406,7 +6406,7 @@
           <a:p>
             <a:fld id="{53086D93-FCAC-47E0-A2EE-787E62CA814C}" type="datetimeFigureOut">
               <a:rPr lang="en-US" dirty="0"/>
-              <a:t>10-Feb-16</a:t>
+              <a:t>11-Feb-16</a:t>
             </a:fld>
             <a:endParaRPr lang="en-US" dirty="0"/>
           </a:p>
@@ -7378,7 +7378,7 @@
           <a:p>
             <a:fld id="{CDA879A6-0FD0-4734-A311-86BFCA472E6E}" type="datetimeFigureOut">
               <a:rPr lang="en-US" dirty="0"/>
-              <a:t>10-Feb-16</a:t>
+              <a:t>11-Feb-16</a:t>
             </a:fld>
             <a:endParaRPr lang="en-US" dirty="0"/>
           </a:p>
@@ -7589,7 +7589,7 @@
           <a:p>
             <a:fld id="{19C9CA7B-DFD4-44B5-8C60-D14B8CD1FB59}" type="datetimeFigureOut">
               <a:rPr lang="en-US" dirty="0"/>
-              <a:t>10-Feb-16</a:t>
+              <a:t>11-Feb-16</a:t>
             </a:fld>
             <a:endParaRPr lang="en-US" dirty="0"/>
           </a:p>
@@ -8623,7 +8623,7 @@
           <a:p>
             <a:fld id="{F34E6425-0181-43F2-84FC-787E803FD2F8}" type="datetimeFigureOut">
               <a:rPr lang="en-US" dirty="0"/>
-              <a:t>10-Feb-16</a:t>
+              <a:t>11-Feb-16</a:t>
             </a:fld>
             <a:endParaRPr lang="en-US" dirty="0"/>
           </a:p>
@@ -8895,7 +8895,7 @@
           <a:p>
             <a:fld id="{3BDB8791-F1B0-41E7-B7FD-A781E65C4266}" type="datetimeFigureOut">
               <a:rPr lang="en-US" dirty="0"/>
-              <a:t>10-Feb-16</a:t>
+              <a:t>11-Feb-16</a:t>
             </a:fld>
             <a:endParaRPr lang="en-US" dirty="0"/>
           </a:p>
@@ -9305,7 +9305,7 @@
           <a:p>
             <a:fld id="{5FDD63B2-E120-4ED8-B27B-C685F510A5FE}" type="datetimeFigureOut">
               <a:rPr lang="en-US" dirty="0"/>
-              <a:t>10-Feb-16</a:t>
+              <a:t>11-Feb-16</a:t>
             </a:fld>
             <a:endParaRPr lang="en-US" dirty="0"/>
           </a:p>
@@ -9432,7 +9432,7 @@
           <a:p>
             <a:fld id="{7AA18ACC-A947-437B-A130-35BD54FDF1E9}" type="datetimeFigureOut">
               <a:rPr lang="en-US" dirty="0"/>
-              <a:t>10-Feb-16</a:t>
+              <a:t>11-Feb-16</a:t>
             </a:fld>
             <a:endParaRPr lang="en-US" dirty="0"/>
           </a:p>
@@ -9527,7 +9527,7 @@
           <a:p>
             <a:fld id="{7C8D7E02-BCB8-4D50-A234-369438C08659}" type="datetimeFigureOut">
               <a:rPr lang="en-US" dirty="0"/>
-              <a:t>10-Feb-16</a:t>
+              <a:t>11-Feb-16</a:t>
             </a:fld>
             <a:endParaRPr lang="en-US" dirty="0"/>
           </a:p>
@@ -10608,7 +10608,7 @@
           <a:p>
             <a:fld id="{76E86A4C-8E40-4F87-A4F0-01A0687C5742}" type="datetimeFigureOut">
               <a:rPr lang="en-US" dirty="0"/>
-              <a:t>10-Feb-16</a:t>
+              <a:t>11-Feb-16</a:t>
             </a:fld>
             <a:endParaRPr lang="en-US" dirty="0"/>
           </a:p>
@@ -11716,7 +11716,7 @@
           <a:p>
             <a:fld id="{35E72C73-2D91-4E12-BA25-F0AA0C03599B}" type="datetimeFigureOut">
               <a:rPr lang="en-US" dirty="0"/>
-              <a:t>10-Feb-16</a:t>
+              <a:t>11-Feb-16</a:t>
             </a:fld>
             <a:endParaRPr lang="en-US" dirty="0"/>
           </a:p>
@@ -12713,7 +12713,7 @@
           <a:p>
             <a:fld id="{2BE451C3-0FF4-47C4-B829-773ADF60F88C}" type="datetimeFigureOut">
               <a:rPr lang="en-US" dirty="0"/>
-              <a:t>10-Feb-16</a:t>
+              <a:t>11-Feb-16</a:t>
             </a:fld>
             <a:endParaRPr lang="en-US" dirty="0"/>
           </a:p>
@@ -21679,7 +21679,7 @@
         </p:spPr>
         <p:txBody>
           <a:bodyPr>
-            <a:normAutofit/>
+            <a:normAutofit fontScale="77500" lnSpcReduction="20000"/>
           </a:bodyPr>
           <a:lstStyle/>
           <a:p>
@@ -21771,19 +21771,114 @@
               <a:t> -put </a:t>
             </a:r>
             <a:r>
-              <a:rPr lang="en-US" sz="1200" dirty="0" err="1">
+              <a:rPr lang="en-US" sz="1200" dirty="0" smtClean="0">
+                <a:latin typeface="Courier New" panose="02070309020205020404" pitchFamily="49" charset="0"/>
+                <a:cs typeface="Courier New" panose="02070309020205020404" pitchFamily="49" charset="0"/>
+              </a:rPr>
+              <a:t>readme.txt /a1</a:t>
+            </a:r>
+            <a:endParaRPr lang="en-US" sz="1200" dirty="0">
+              <a:latin typeface="Courier New" panose="02070309020205020404" pitchFamily="49" charset="0"/>
+              <a:cs typeface="Courier New" panose="02070309020205020404" pitchFamily="49" charset="0"/>
+            </a:endParaRPr>
+          </a:p>
+          <a:p>
+            <a:pPr marL="0" indent="0">
+              <a:buNone/>
+            </a:pPr>
+            <a:endParaRPr lang="en-US" sz="1200" dirty="0" smtClean="0">
+              <a:latin typeface="Courier New" panose="02070309020205020404" pitchFamily="49" charset="0"/>
+              <a:cs typeface="Courier New" panose="02070309020205020404" pitchFamily="49" charset="0"/>
+            </a:endParaRPr>
+          </a:p>
+          <a:p>
+            <a:pPr marL="0" indent="0">
+              <a:buNone/>
+            </a:pPr>
+            <a:r>
+              <a:rPr lang="en-US" sz="1200" dirty="0" err="1" smtClean="0">
+                <a:latin typeface="Courier New" panose="02070309020205020404" pitchFamily="49" charset="0"/>
+                <a:cs typeface="Courier New" panose="02070309020205020404" pitchFamily="49" charset="0"/>
+              </a:rPr>
+              <a:t>hdfs</a:t>
+            </a:r>
+            <a:r>
+              <a:rPr lang="en-US" sz="1200" dirty="0" smtClean="0">
+                <a:latin typeface="Courier New" panose="02070309020205020404" pitchFamily="49" charset="0"/>
+                <a:cs typeface="Courier New" panose="02070309020205020404" pitchFamily="49" charset="0"/>
+              </a:rPr>
+              <a:t> </a:t>
+            </a:r>
+            <a:r>
+              <a:rPr lang="en-US" sz="1200" dirty="0" err="1" smtClean="0">
+                <a:latin typeface="Courier New" panose="02070309020205020404" pitchFamily="49" charset="0"/>
+                <a:cs typeface="Courier New" panose="02070309020205020404" pitchFamily="49" charset="0"/>
+              </a:rPr>
+              <a:t>dfs</a:t>
+            </a:r>
+            <a:r>
+              <a:rPr lang="en-US" sz="1200" dirty="0" smtClean="0">
+                <a:latin typeface="Courier New" panose="02070309020205020404" pitchFamily="49" charset="0"/>
+                <a:cs typeface="Courier New" panose="02070309020205020404" pitchFamily="49" charset="0"/>
+              </a:rPr>
+              <a:t> –put –D </a:t>
+            </a:r>
+            <a:r>
+              <a:rPr lang="en-US" sz="1200" dirty="0" err="1" smtClean="0">
+                <a:latin typeface="Courier New" panose="02070309020205020404" pitchFamily="49" charset="0"/>
+                <a:cs typeface="Courier New" panose="02070309020205020404" pitchFamily="49" charset="0"/>
+              </a:rPr>
+              <a:t>dfs.blocksize</a:t>
+            </a:r>
+            <a:r>
+              <a:rPr lang="en-US" sz="1200" dirty="0" smtClean="0">
+                <a:latin typeface="Courier New" panose="02070309020205020404" pitchFamily="49" charset="0"/>
+                <a:cs typeface="Courier New" panose="02070309020205020404" pitchFamily="49" charset="0"/>
+              </a:rPr>
+              <a:t>=1024000 </a:t>
+            </a:r>
+            <a:r>
+              <a:rPr lang="en-US" sz="1200" dirty="0" err="1" smtClean="0">
                 <a:latin typeface="Courier New" panose="02070309020205020404" pitchFamily="49" charset="0"/>
                 <a:cs typeface="Courier New" panose="02070309020205020404" pitchFamily="49" charset="0"/>
               </a:rPr>
               <a:t>localfile</a:t>
             </a:r>
             <a:r>
-              <a:rPr lang="en-US" sz="1200" dirty="0">
+              <a:rPr lang="en-US" sz="1200" dirty="0" smtClean="0">
                 <a:latin typeface="Courier New" panose="02070309020205020404" pitchFamily="49" charset="0"/>
                 <a:cs typeface="Courier New" panose="02070309020205020404" pitchFamily="49" charset="0"/>
               </a:rPr>
               <a:t> /a1</a:t>
             </a:r>
+          </a:p>
+          <a:p>
+            <a:pPr marL="0" indent="0">
+              <a:buNone/>
+            </a:pPr>
+            <a:r>
+              <a:rPr lang="en-US" sz="1200" dirty="0" smtClean="0">
+                <a:latin typeface="Courier New" panose="02070309020205020404" pitchFamily="49" charset="0"/>
+                <a:cs typeface="Courier New" panose="02070309020205020404" pitchFamily="49" charset="0"/>
+              </a:rPr>
+              <a:t>##Default Block size 128MB (v2.x)</a:t>
+            </a:r>
+          </a:p>
+          <a:p>
+            <a:pPr marL="0" indent="0">
+              <a:buNone/>
+            </a:pPr>
+            <a:r>
+              <a:rPr lang="en-US" sz="1200" dirty="0" smtClean="0">
+                <a:latin typeface="Courier New" panose="02070309020205020404" pitchFamily="49" charset="0"/>
+                <a:cs typeface="Courier New" panose="02070309020205020404" pitchFamily="49" charset="0"/>
+              </a:rPr>
+              <a:t>###Default Block Size 64MB (0.1 - v1.x)</a:t>
+            </a:r>
+            <a:endParaRPr lang="en-US" sz="1200" dirty="0" smtClean="0">
+              <a:latin typeface="Courier New" panose="02070309020205020404" pitchFamily="49" charset="0"/>
+              <a:cs typeface="Courier New" panose="02070309020205020404" pitchFamily="49" charset="0"/>
+            </a:endParaRPr>
           </a:p>
           <a:p>
             <a:pPr marL="0" indent="0">
